--- a/code/素材/img/新建 PPTX 演示文稿.pptx
+++ b/code/素材/img/新建 PPTX 演示文稿.pptx
@@ -13,12 +13,14 @@
     <p:sldId id="261" r:id="rId7"/>
     <p:sldId id="262" r:id="rId8"/>
     <p:sldId id="263" r:id="rId9"/>
-    <p:sldId id="264" r:id="rId10"/>
+    <p:sldId id="265" r:id="rId10"/>
+    <p:sldId id="264" r:id="rId11"/>
+    <p:sldId id="266" r:id="rId12"/>
   </p:sldIdLst>
   <p:sldSz cx="12192000" cy="6858000"/>
   <p:notesSz cx="6858000" cy="9144000"/>
   <p:custDataLst>
-    <p:tags r:id="rId11"/>
+    <p:tags r:id="rId13"/>
   </p:custDataLst>
   <p:defaultTextStyle>
     <a:defPPr>
@@ -3459,6 +3461,326 @@
 </p:sld>
 </file>
 
+<file path=ppt/slides/slide10.xml><?xml version="1.0" encoding="utf-8"?>
+<p:sld xmlns:a="http://schemas.openxmlformats.org/drawingml/2006/main" xmlns:r="http://schemas.openxmlformats.org/officeDocument/2006/relationships" xmlns:p="http://schemas.openxmlformats.org/presentationml/2006/main">
+  <p:cSld>
+    <p:spTree>
+      <p:nvGrpSpPr>
+        <p:cNvPr id="1" name=""/>
+        <p:cNvGrpSpPr/>
+        <p:nvPr/>
+      </p:nvGrpSpPr>
+      <p:grpSpPr>
+        <a:xfrm>
+          <a:off x="0" y="0"/>
+          <a:ext cx="0" cy="0"/>
+          <a:chOff x="0" y="0"/>
+          <a:chExt cx="0" cy="0"/>
+        </a:xfrm>
+      </p:grpSpPr>
+      <p:pic>
+        <p:nvPicPr>
+          <p:cNvPr id="5" name="图片 4">
+            <a:extLst>
+              <a:ext uri="{FF2B5EF4-FFF2-40B4-BE49-F238E27FC236}">
+                <a16:creationId xmlns:a16="http://schemas.microsoft.com/office/drawing/2014/main" id="{865C011D-3BF8-40BA-9A2A-935A9B815A4B}"/>
+              </a:ext>
+            </a:extLst>
+          </p:cNvPr>
+          <p:cNvPicPr>
+            <a:picLocks noChangeAspect="1"/>
+          </p:cNvPicPr>
+          <p:nvPr/>
+        </p:nvPicPr>
+        <p:blipFill>
+          <a:blip r:embed="rId2" cstate="print">
+            <a:duotone>
+              <a:schemeClr val="accent1">
+                <a:shade val="45000"/>
+                <a:satMod val="135000"/>
+              </a:schemeClr>
+              <a:prstClr val="white"/>
+            </a:duotone>
+            <a:extLst>
+              <a:ext uri="{28A0092B-C50C-407E-A947-70E740481C1C}">
+                <a14:useLocalDpi xmlns:a14="http://schemas.microsoft.com/office/drawing/2010/main" val="0"/>
+              </a:ext>
+            </a:extLst>
+          </a:blip>
+          <a:stretch>
+            <a:fillRect/>
+          </a:stretch>
+        </p:blipFill>
+        <p:spPr>
+          <a:xfrm>
+            <a:off x="0" y="0"/>
+            <a:ext cx="2261311" cy="2301334"/>
+          </a:xfrm>
+          <a:prstGeom prst="rect">
+            <a:avLst/>
+          </a:prstGeom>
+        </p:spPr>
+      </p:pic>
+      <p:pic>
+        <p:nvPicPr>
+          <p:cNvPr id="8" name="图片 7">
+            <a:extLst>
+              <a:ext uri="{FF2B5EF4-FFF2-40B4-BE49-F238E27FC236}">
+                <a16:creationId xmlns:a16="http://schemas.microsoft.com/office/drawing/2014/main" id="{25412988-E352-43B6-9E02-246AA9904FA8}"/>
+              </a:ext>
+            </a:extLst>
+          </p:cNvPr>
+          <p:cNvPicPr>
+            <a:picLocks noChangeAspect="1"/>
+          </p:cNvPicPr>
+          <p:nvPr/>
+        </p:nvPicPr>
+        <p:blipFill>
+          <a:blip r:embed="rId2" cstate="print">
+            <a:duotone>
+              <a:schemeClr val="accent1">
+                <a:shade val="45000"/>
+                <a:satMod val="135000"/>
+              </a:schemeClr>
+              <a:prstClr val="white"/>
+            </a:duotone>
+            <a:extLst>
+              <a:ext uri="{28A0092B-C50C-407E-A947-70E740481C1C}">
+                <a14:useLocalDpi xmlns:a14="http://schemas.microsoft.com/office/drawing/2010/main" val="0"/>
+              </a:ext>
+            </a:extLst>
+          </a:blip>
+          <a:stretch>
+            <a:fillRect/>
+          </a:stretch>
+        </p:blipFill>
+        <p:spPr>
+          <a:xfrm>
+            <a:off x="2294185" y="131526"/>
+            <a:ext cx="2261311" cy="2301334"/>
+          </a:xfrm>
+          <a:prstGeom prst="rect">
+            <a:avLst/>
+          </a:prstGeom>
+        </p:spPr>
+      </p:pic>
+      <p:sp>
+        <p:nvSpPr>
+          <p:cNvPr id="14" name="减号 13">
+            <a:extLst>
+              <a:ext uri="{FF2B5EF4-FFF2-40B4-BE49-F238E27FC236}">
+                <a16:creationId xmlns:a16="http://schemas.microsoft.com/office/drawing/2014/main" id="{EC7869DA-F226-41CD-AA5B-6A678F36183F}"/>
+              </a:ext>
+            </a:extLst>
+          </p:cNvPr>
+          <p:cNvSpPr/>
+          <p:nvPr/>
+        </p:nvSpPr>
+        <p:spPr>
+          <a:xfrm rot="2662920">
+            <a:off x="1972878" y="1029083"/>
+            <a:ext cx="3041116" cy="415744"/>
+          </a:xfrm>
+          <a:prstGeom prst="mathMinus">
+            <a:avLst>
+              <a:gd name="adj1" fmla="val 13415"/>
+            </a:avLst>
+          </a:prstGeom>
+          <a:solidFill>
+            <a:srgbClr val="C00000"/>
+          </a:solidFill>
+        </p:spPr>
+        <p:style>
+          <a:lnRef idx="2">
+            <a:schemeClr val="accent1">
+              <a:shade val="50000"/>
+            </a:schemeClr>
+          </a:lnRef>
+          <a:fillRef idx="1">
+            <a:schemeClr val="accent1"/>
+          </a:fillRef>
+          <a:effectRef idx="0">
+            <a:schemeClr val="accent1"/>
+          </a:effectRef>
+          <a:fontRef idx="minor">
+            <a:schemeClr val="lt1"/>
+          </a:fontRef>
+        </p:style>
+        <p:txBody>
+          <a:bodyPr rtlCol="0" anchor="ctr"/>
+          <a:lstStyle/>
+          <a:p>
+            <a:pPr algn="ctr"/>
+            <a:endParaRPr lang="zh-CN" altLang="en-US"/>
+          </a:p>
+        </p:txBody>
+      </p:sp>
+      <p:sp>
+        <p:nvSpPr>
+          <p:cNvPr id="15" name="减号 14">
+            <a:extLst>
+              <a:ext uri="{FF2B5EF4-FFF2-40B4-BE49-F238E27FC236}">
+                <a16:creationId xmlns:a16="http://schemas.microsoft.com/office/drawing/2014/main" id="{61179A7D-D6C5-4533-9B64-0FEDA38478F4}"/>
+              </a:ext>
+            </a:extLst>
+          </p:cNvPr>
+          <p:cNvSpPr/>
+          <p:nvPr/>
+        </p:nvSpPr>
+        <p:spPr>
+          <a:xfrm rot="7860787">
+            <a:off x="1899423" y="1067156"/>
+            <a:ext cx="3017961" cy="415744"/>
+          </a:xfrm>
+          <a:prstGeom prst="mathMinus">
+            <a:avLst>
+              <a:gd name="adj1" fmla="val 16448"/>
+            </a:avLst>
+          </a:prstGeom>
+          <a:solidFill>
+            <a:srgbClr val="C00000"/>
+          </a:solidFill>
+        </p:spPr>
+        <p:style>
+          <a:lnRef idx="2">
+            <a:schemeClr val="accent1">
+              <a:shade val="50000"/>
+            </a:schemeClr>
+          </a:lnRef>
+          <a:fillRef idx="1">
+            <a:schemeClr val="accent1"/>
+          </a:fillRef>
+          <a:effectRef idx="0">
+            <a:schemeClr val="accent1"/>
+          </a:effectRef>
+          <a:fontRef idx="minor">
+            <a:schemeClr val="lt1"/>
+          </a:fontRef>
+        </p:style>
+        <p:txBody>
+          <a:bodyPr rtlCol="0" anchor="ctr"/>
+          <a:lstStyle/>
+          <a:p>
+            <a:pPr algn="ctr"/>
+            <a:endParaRPr lang="zh-CN" altLang="en-US"/>
+          </a:p>
+        </p:txBody>
+      </p:sp>
+      <p:pic>
+        <p:nvPicPr>
+          <p:cNvPr id="18" name="图片 17">
+            <a:extLst>
+              <a:ext uri="{FF2B5EF4-FFF2-40B4-BE49-F238E27FC236}">
+                <a16:creationId xmlns:a16="http://schemas.microsoft.com/office/drawing/2014/main" id="{A9FF9771-AF98-4104-A0F6-0F7FB93F6C0C}"/>
+              </a:ext>
+            </a:extLst>
+          </p:cNvPr>
+          <p:cNvPicPr>
+            <a:picLocks noChangeAspect="1"/>
+          </p:cNvPicPr>
+          <p:nvPr/>
+        </p:nvPicPr>
+        <p:blipFill>
+          <a:blip r:embed="rId3" cstate="print">
+            <a:extLst>
+              <a:ext uri="{28A0092B-C50C-407E-A947-70E740481C1C}">
+                <a14:useLocalDpi xmlns:a14="http://schemas.microsoft.com/office/drawing/2010/main" val="0"/>
+              </a:ext>
+            </a:extLst>
+          </a:blip>
+          <a:stretch>
+            <a:fillRect/>
+          </a:stretch>
+        </p:blipFill>
+        <p:spPr>
+          <a:xfrm>
+            <a:off x="8212787" y="4098842"/>
+            <a:ext cx="657494" cy="668545"/>
+          </a:xfrm>
+          <a:prstGeom prst="rect">
+            <a:avLst/>
+          </a:prstGeom>
+        </p:spPr>
+      </p:pic>
+      <p:pic>
+        <p:nvPicPr>
+          <p:cNvPr id="20" name="图片 19">
+            <a:extLst>
+              <a:ext uri="{FF2B5EF4-FFF2-40B4-BE49-F238E27FC236}">
+                <a16:creationId xmlns:a16="http://schemas.microsoft.com/office/drawing/2014/main" id="{96CA939A-F067-4654-95A8-2DA4C7EBF61A}"/>
+              </a:ext>
+            </a:extLst>
+          </p:cNvPr>
+          <p:cNvPicPr>
+            <a:picLocks noChangeAspect="1"/>
+          </p:cNvPicPr>
+          <p:nvPr/>
+        </p:nvPicPr>
+        <p:blipFill>
+          <a:blip r:embed="rId4" cstate="print">
+            <a:extLst>
+              <a:ext uri="{28A0092B-C50C-407E-A947-70E740481C1C}">
+                <a14:useLocalDpi xmlns:a14="http://schemas.microsoft.com/office/drawing/2010/main" val="0"/>
+              </a:ext>
+            </a:extLst>
+          </a:blip>
+          <a:stretch>
+            <a:fillRect/>
+          </a:stretch>
+        </p:blipFill>
+        <p:spPr>
+          <a:xfrm>
+            <a:off x="7406735" y="4098842"/>
+            <a:ext cx="657494" cy="668127"/>
+          </a:xfrm>
+          <a:prstGeom prst="rect">
+            <a:avLst/>
+          </a:prstGeom>
+        </p:spPr>
+      </p:pic>
+    </p:spTree>
+    <p:extLst>
+      <p:ext uri="{BB962C8B-B14F-4D97-AF65-F5344CB8AC3E}">
+        <p14:creationId xmlns:p14="http://schemas.microsoft.com/office/powerpoint/2010/main" val="259867076"/>
+      </p:ext>
+    </p:extLst>
+  </p:cSld>
+  <p:clrMapOvr>
+    <a:masterClrMapping/>
+  </p:clrMapOvr>
+</p:sld>
+</file>
+
+<file path=ppt/slides/slide11.xml><?xml version="1.0" encoding="utf-8"?>
+<p:sld xmlns:a="http://schemas.openxmlformats.org/drawingml/2006/main" xmlns:r="http://schemas.openxmlformats.org/officeDocument/2006/relationships" xmlns:p="http://schemas.openxmlformats.org/presentationml/2006/main">
+  <p:cSld>
+    <p:spTree>
+      <p:nvGrpSpPr>
+        <p:cNvPr id="1" name=""/>
+        <p:cNvGrpSpPr/>
+        <p:nvPr/>
+      </p:nvGrpSpPr>
+      <p:grpSpPr>
+        <a:xfrm>
+          <a:off x="0" y="0"/>
+          <a:ext cx="0" cy="0"/>
+          <a:chOff x="0" y="0"/>
+          <a:chExt cx="0" cy="0"/>
+        </a:xfrm>
+      </p:grpSpPr>
+    </p:spTree>
+    <p:extLst>
+      <p:ext uri="{BB962C8B-B14F-4D97-AF65-F5344CB8AC3E}">
+        <p14:creationId xmlns:p14="http://schemas.microsoft.com/office/powerpoint/2010/main" val="3831281237"/>
+      </p:ext>
+    </p:extLst>
+  </p:cSld>
+  <p:clrMapOvr>
+    <a:masterClrMapping/>
+  </p:clrMapOvr>
+</p:sld>
+</file>
+
 <file path=ppt/slides/slide2.xml><?xml version="1.0" encoding="utf-8"?>
 <p:sld xmlns:a="http://schemas.openxmlformats.org/drawingml/2006/main" xmlns:r="http://schemas.openxmlformats.org/officeDocument/2006/relationships" xmlns:p="http://schemas.openxmlformats.org/presentationml/2006/main">
   <p:cSld>
@@ -5326,27 +5648,20 @@
       </p:grpSpPr>
       <p:pic>
         <p:nvPicPr>
-          <p:cNvPr id="5" name="图片 4">
+          <p:cNvPr id="33" name="图片 32" descr="夜晚的星空&#10;&#10;描述已自动生成">
             <a:extLst>
               <a:ext uri="{FF2B5EF4-FFF2-40B4-BE49-F238E27FC236}">
-                <a16:creationId xmlns:a16="http://schemas.microsoft.com/office/drawing/2014/main" id="{865C011D-3BF8-40BA-9A2A-935A9B815A4B}"/>
+                <a16:creationId xmlns:a16="http://schemas.microsoft.com/office/drawing/2014/main" id="{3C51CB17-30AA-2CE4-F747-EAB575B277E3}"/>
               </a:ext>
             </a:extLst>
           </p:cNvPr>
           <p:cNvPicPr>
-            <a:picLocks noChangeAspect="1"/>
+            <a:picLocks/>
           </p:cNvPicPr>
           <p:nvPr/>
         </p:nvPicPr>
         <p:blipFill>
-          <a:blip r:embed="rId2" cstate="print">
-            <a:duotone>
-              <a:schemeClr val="accent1">
-                <a:shade val="45000"/>
-                <a:satMod val="135000"/>
-              </a:schemeClr>
-              <a:prstClr val="white"/>
-            </a:duotone>
+          <a:blip r:embed="rId2">
             <a:extLst>
               <a:ext uri="{28A0092B-C50C-407E-A947-70E740481C1C}">
                 <a14:useLocalDpi xmlns:a14="http://schemas.microsoft.com/office/drawing/2010/main" val="0"/>
@@ -5359,8 +5674,8 @@
         </p:blipFill>
         <p:spPr>
           <a:xfrm>
-            <a:off x="0" y="0"/>
-            <a:ext cx="2261311" cy="2301334"/>
+            <a:off x="7316232" y="835268"/>
+            <a:ext cx="3600000" cy="5400000"/>
           </a:xfrm>
           <a:prstGeom prst="rect">
             <a:avLst/>
@@ -5369,155 +5684,10 @@
       </p:pic>
       <p:pic>
         <p:nvPicPr>
-          <p:cNvPr id="8" name="图片 7">
+          <p:cNvPr id="16" name="图片 15" descr="卡通人物&#10;&#10;中度可信度描述已自动生成">
             <a:extLst>
               <a:ext uri="{FF2B5EF4-FFF2-40B4-BE49-F238E27FC236}">
-                <a16:creationId xmlns:a16="http://schemas.microsoft.com/office/drawing/2014/main" id="{25412988-E352-43B6-9E02-246AA9904FA8}"/>
-              </a:ext>
-            </a:extLst>
-          </p:cNvPr>
-          <p:cNvPicPr>
-            <a:picLocks noChangeAspect="1"/>
-          </p:cNvPicPr>
-          <p:nvPr/>
-        </p:nvPicPr>
-        <p:blipFill>
-          <a:blip r:embed="rId2" cstate="print">
-            <a:duotone>
-              <a:schemeClr val="accent1">
-                <a:shade val="45000"/>
-                <a:satMod val="135000"/>
-              </a:schemeClr>
-              <a:prstClr val="white"/>
-            </a:duotone>
-            <a:extLst>
-              <a:ext uri="{28A0092B-C50C-407E-A947-70E740481C1C}">
-                <a14:useLocalDpi xmlns:a14="http://schemas.microsoft.com/office/drawing/2010/main" val="0"/>
-              </a:ext>
-            </a:extLst>
-          </a:blip>
-          <a:stretch>
-            <a:fillRect/>
-          </a:stretch>
-        </p:blipFill>
-        <p:spPr>
-          <a:xfrm>
-            <a:off x="2294185" y="131526"/>
-            <a:ext cx="2261311" cy="2301334"/>
-          </a:xfrm>
-          <a:prstGeom prst="rect">
-            <a:avLst/>
-          </a:prstGeom>
-        </p:spPr>
-      </p:pic>
-      <p:sp>
-        <p:nvSpPr>
-          <p:cNvPr id="14" name="减号 13">
-            <a:extLst>
-              <a:ext uri="{FF2B5EF4-FFF2-40B4-BE49-F238E27FC236}">
-                <a16:creationId xmlns:a16="http://schemas.microsoft.com/office/drawing/2014/main" id="{EC7869DA-F226-41CD-AA5B-6A678F36183F}"/>
-              </a:ext>
-            </a:extLst>
-          </p:cNvPr>
-          <p:cNvSpPr/>
-          <p:nvPr/>
-        </p:nvSpPr>
-        <p:spPr>
-          <a:xfrm rot="2662920">
-            <a:off x="1972878" y="1029083"/>
-            <a:ext cx="3041116" cy="415744"/>
-          </a:xfrm>
-          <a:prstGeom prst="mathMinus">
-            <a:avLst>
-              <a:gd name="adj1" fmla="val 13415"/>
-            </a:avLst>
-          </a:prstGeom>
-          <a:solidFill>
-            <a:srgbClr val="C00000"/>
-          </a:solidFill>
-        </p:spPr>
-        <p:style>
-          <a:lnRef idx="2">
-            <a:schemeClr val="accent1">
-              <a:shade val="50000"/>
-            </a:schemeClr>
-          </a:lnRef>
-          <a:fillRef idx="1">
-            <a:schemeClr val="accent1"/>
-          </a:fillRef>
-          <a:effectRef idx="0">
-            <a:schemeClr val="accent1"/>
-          </a:effectRef>
-          <a:fontRef idx="minor">
-            <a:schemeClr val="lt1"/>
-          </a:fontRef>
-        </p:style>
-        <p:txBody>
-          <a:bodyPr rtlCol="0" anchor="ctr"/>
-          <a:lstStyle/>
-          <a:p>
-            <a:pPr algn="ctr"/>
-            <a:endParaRPr lang="zh-CN" altLang="en-US"/>
-          </a:p>
-        </p:txBody>
-      </p:sp>
-      <p:sp>
-        <p:nvSpPr>
-          <p:cNvPr id="15" name="减号 14">
-            <a:extLst>
-              <a:ext uri="{FF2B5EF4-FFF2-40B4-BE49-F238E27FC236}">
-                <a16:creationId xmlns:a16="http://schemas.microsoft.com/office/drawing/2014/main" id="{61179A7D-D6C5-4533-9B64-0FEDA38478F4}"/>
-              </a:ext>
-            </a:extLst>
-          </p:cNvPr>
-          <p:cNvSpPr/>
-          <p:nvPr/>
-        </p:nvSpPr>
-        <p:spPr>
-          <a:xfrm rot="7860787">
-            <a:off x="1899423" y="1067156"/>
-            <a:ext cx="3017961" cy="415744"/>
-          </a:xfrm>
-          <a:prstGeom prst="mathMinus">
-            <a:avLst>
-              <a:gd name="adj1" fmla="val 16448"/>
-            </a:avLst>
-          </a:prstGeom>
-          <a:solidFill>
-            <a:srgbClr val="C00000"/>
-          </a:solidFill>
-        </p:spPr>
-        <p:style>
-          <a:lnRef idx="2">
-            <a:schemeClr val="accent1">
-              <a:shade val="50000"/>
-            </a:schemeClr>
-          </a:lnRef>
-          <a:fillRef idx="1">
-            <a:schemeClr val="accent1"/>
-          </a:fillRef>
-          <a:effectRef idx="0">
-            <a:schemeClr val="accent1"/>
-          </a:effectRef>
-          <a:fontRef idx="minor">
-            <a:schemeClr val="lt1"/>
-          </a:fontRef>
-        </p:style>
-        <p:txBody>
-          <a:bodyPr rtlCol="0" anchor="ctr"/>
-          <a:lstStyle/>
-          <a:p>
-            <a:pPr algn="ctr"/>
-            <a:endParaRPr lang="zh-CN" altLang="en-US"/>
-          </a:p>
-        </p:txBody>
-      </p:sp>
-      <p:pic>
-        <p:nvPicPr>
-          <p:cNvPr id="18" name="图片 17">
-            <a:extLst>
-              <a:ext uri="{FF2B5EF4-FFF2-40B4-BE49-F238E27FC236}">
-                <a16:creationId xmlns:a16="http://schemas.microsoft.com/office/drawing/2014/main" id="{A9FF9771-AF98-4104-A0F6-0F7FB93F6C0C}"/>
+                <a16:creationId xmlns:a16="http://schemas.microsoft.com/office/drawing/2014/main" id="{70058EAD-4414-8DEE-EDEA-A76E038966E1}"/>
               </a:ext>
             </a:extLst>
           </p:cNvPr>
@@ -5539,9 +5709,9 @@
           </a:stretch>
         </p:blipFill>
         <p:spPr>
-          <a:xfrm>
-            <a:off x="8212787" y="4098842"/>
-            <a:ext cx="657494" cy="668545"/>
+          <a:xfrm rot="20495687">
+            <a:off x="10303294" y="2629000"/>
+            <a:ext cx="761397" cy="761397"/>
           </a:xfrm>
           <a:prstGeom prst="rect">
             <a:avLst/>
@@ -5550,10 +5720,10 @@
       </p:pic>
       <p:pic>
         <p:nvPicPr>
-          <p:cNvPr id="20" name="图片 19">
+          <p:cNvPr id="23" name="图片 22" descr="卡通人物&#10;&#10;低可信度描述已自动生成">
             <a:extLst>
               <a:ext uri="{FF2B5EF4-FFF2-40B4-BE49-F238E27FC236}">
-                <a16:creationId xmlns:a16="http://schemas.microsoft.com/office/drawing/2014/main" id="{96CA939A-F067-4654-95A8-2DA4C7EBF61A}"/>
+                <a16:creationId xmlns:a16="http://schemas.microsoft.com/office/drawing/2014/main" id="{3ED6400A-A4CF-2AE7-5E81-AE70EDE5CE12}"/>
               </a:ext>
             </a:extLst>
           </p:cNvPr>
@@ -5575,9 +5745,297 @@
           </a:stretch>
         </p:blipFill>
         <p:spPr>
-          <a:xfrm>
-            <a:off x="7406735" y="4098842"/>
-            <a:ext cx="657494" cy="668127"/>
+          <a:xfrm flipH="1" flipV="1">
+            <a:off x="8686493" y="4633200"/>
+            <a:ext cx="732491" cy="447866"/>
+          </a:xfrm>
+          <a:prstGeom prst="rect">
+            <a:avLst/>
+          </a:prstGeom>
+        </p:spPr>
+      </p:pic>
+      <p:pic>
+        <p:nvPicPr>
+          <p:cNvPr id="24" name="图片 23" descr="卡通人物&#10;&#10;低可信度描述已自动生成">
+            <a:extLst>
+              <a:ext uri="{FF2B5EF4-FFF2-40B4-BE49-F238E27FC236}">
+                <a16:creationId xmlns:a16="http://schemas.microsoft.com/office/drawing/2014/main" id="{156A66BF-1FE9-6C26-0843-712FB6218E50}"/>
+              </a:ext>
+            </a:extLst>
+          </p:cNvPr>
+          <p:cNvPicPr>
+            <a:picLocks noChangeAspect="1"/>
+          </p:cNvPicPr>
+          <p:nvPr/>
+        </p:nvPicPr>
+        <p:blipFill>
+          <a:blip r:embed="rId5" cstate="print">
+            <a:extLst>
+              <a:ext uri="{28A0092B-C50C-407E-A947-70E740481C1C}">
+                <a14:useLocalDpi xmlns:a14="http://schemas.microsoft.com/office/drawing/2010/main" val="0"/>
+              </a:ext>
+            </a:extLst>
+          </a:blip>
+          <a:stretch>
+            <a:fillRect/>
+          </a:stretch>
+        </p:blipFill>
+        <p:spPr>
+          <a:xfrm rot="3446442">
+            <a:off x="9941893" y="5258461"/>
+            <a:ext cx="1119677" cy="684602"/>
+          </a:xfrm>
+          <a:prstGeom prst="rect">
+            <a:avLst/>
+          </a:prstGeom>
+        </p:spPr>
+      </p:pic>
+      <p:pic>
+        <p:nvPicPr>
+          <p:cNvPr id="26" name="图片 25" descr="卡通人物&#10;&#10;低可信度描述已自动生成">
+            <a:extLst>
+              <a:ext uri="{FF2B5EF4-FFF2-40B4-BE49-F238E27FC236}">
+                <a16:creationId xmlns:a16="http://schemas.microsoft.com/office/drawing/2014/main" id="{B448E7D1-9976-9607-D914-D9F3818A4578}"/>
+              </a:ext>
+            </a:extLst>
+          </p:cNvPr>
+          <p:cNvPicPr>
+            <a:picLocks noChangeAspect="1"/>
+          </p:cNvPicPr>
+          <p:nvPr/>
+        </p:nvPicPr>
+        <p:blipFill>
+          <a:blip r:embed="rId6" cstate="print">
+            <a:extLst>
+              <a:ext uri="{28A0092B-C50C-407E-A947-70E740481C1C}">
+                <a14:useLocalDpi xmlns:a14="http://schemas.microsoft.com/office/drawing/2010/main" val="0"/>
+              </a:ext>
+            </a:extLst>
+          </a:blip>
+          <a:stretch>
+            <a:fillRect/>
+          </a:stretch>
+        </p:blipFill>
+        <p:spPr>
+          <a:xfrm rot="2255526">
+            <a:off x="7655393" y="946900"/>
+            <a:ext cx="630311" cy="776634"/>
+          </a:xfrm>
+          <a:prstGeom prst="rect">
+            <a:avLst/>
+          </a:prstGeom>
+        </p:spPr>
+      </p:pic>
+      <p:pic>
+        <p:nvPicPr>
+          <p:cNvPr id="29" name="图片 28" descr="背景图案&#10;&#10;描述已自动生成">
+            <a:extLst>
+              <a:ext uri="{FF2B5EF4-FFF2-40B4-BE49-F238E27FC236}">
+                <a16:creationId xmlns:a16="http://schemas.microsoft.com/office/drawing/2014/main" id="{87C19A9C-EE66-61A1-6299-727ADA192E08}"/>
+              </a:ext>
+            </a:extLst>
+          </p:cNvPr>
+          <p:cNvPicPr>
+            <a:picLocks noChangeAspect="1"/>
+          </p:cNvPicPr>
+          <p:nvPr/>
+        </p:nvPicPr>
+        <p:blipFill>
+          <a:blip r:embed="rId7" cstate="print">
+            <a:extLst>
+              <a:ext uri="{28A0092B-C50C-407E-A947-70E740481C1C}">
+                <a14:useLocalDpi xmlns:a14="http://schemas.microsoft.com/office/drawing/2010/main" val="0"/>
+              </a:ext>
+            </a:extLst>
+          </a:blip>
+          <a:stretch>
+            <a:fillRect/>
+          </a:stretch>
+        </p:blipFill>
+        <p:spPr>
+          <a:xfrm>
+            <a:off x="6096000" y="3740356"/>
+            <a:ext cx="3586423" cy="2516474"/>
+          </a:xfrm>
+          <a:prstGeom prst="rect">
+            <a:avLst/>
+          </a:prstGeom>
+        </p:spPr>
+      </p:pic>
+      <p:pic>
+        <p:nvPicPr>
+          <p:cNvPr id="41" name="图片 40" descr="卡通人物&#10;&#10;描述已自动生成">
+            <a:extLst>
+              <a:ext uri="{FF2B5EF4-FFF2-40B4-BE49-F238E27FC236}">
+                <a16:creationId xmlns:a16="http://schemas.microsoft.com/office/drawing/2014/main" id="{FF3FA8C0-17FA-7B05-D0D7-C3B8C08820FE}"/>
+              </a:ext>
+            </a:extLst>
+          </p:cNvPr>
+          <p:cNvPicPr>
+            <a:picLocks noChangeAspect="1"/>
+          </p:cNvPicPr>
+          <p:nvPr/>
+        </p:nvPicPr>
+        <p:blipFill>
+          <a:blip r:embed="rId8" cstate="print">
+            <a:extLst>
+              <a:ext uri="{28A0092B-C50C-407E-A947-70E740481C1C}">
+                <a14:useLocalDpi xmlns:a14="http://schemas.microsoft.com/office/drawing/2010/main" val="0"/>
+              </a:ext>
+            </a:extLst>
+          </a:blip>
+          <a:stretch>
+            <a:fillRect/>
+          </a:stretch>
+        </p:blipFill>
+        <p:spPr>
+          <a:xfrm>
+            <a:off x="7406232" y="2976253"/>
+            <a:ext cx="1050925" cy="1216544"/>
+          </a:xfrm>
+          <a:prstGeom prst="rect">
+            <a:avLst/>
+          </a:prstGeom>
+        </p:spPr>
+      </p:pic>
+      <p:pic>
+        <p:nvPicPr>
+          <p:cNvPr id="27" name="图片 26" descr="卡通人物&#10;&#10;中度可信度描述已自动生成">
+            <a:extLst>
+              <a:ext uri="{FF2B5EF4-FFF2-40B4-BE49-F238E27FC236}">
+                <a16:creationId xmlns:a16="http://schemas.microsoft.com/office/drawing/2014/main" id="{2F04BC99-AB53-AF88-A747-D5912F43D4C8}"/>
+              </a:ext>
+            </a:extLst>
+          </p:cNvPr>
+          <p:cNvPicPr>
+            <a:picLocks noChangeAspect="1"/>
+          </p:cNvPicPr>
+          <p:nvPr/>
+        </p:nvPicPr>
+        <p:blipFill>
+          <a:blip r:embed="rId9" cstate="print">
+            <a:extLst>
+              <a:ext uri="{28A0092B-C50C-407E-A947-70E740481C1C}">
+                <a14:useLocalDpi xmlns:a14="http://schemas.microsoft.com/office/drawing/2010/main" val="0"/>
+              </a:ext>
+            </a:extLst>
+          </a:blip>
+          <a:stretch>
+            <a:fillRect/>
+          </a:stretch>
+        </p:blipFill>
+        <p:spPr>
+          <a:xfrm rot="1954017">
+            <a:off x="7975447" y="3529133"/>
+            <a:ext cx="1448882" cy="1448882"/>
+          </a:xfrm>
+          <a:prstGeom prst="rect">
+            <a:avLst/>
+          </a:prstGeom>
+        </p:spPr>
+      </p:pic>
+      <p:pic>
+        <p:nvPicPr>
+          <p:cNvPr id="37" name="图片 36" descr="图片包含 形状&#10;&#10;描述已自动生成">
+            <a:extLst>
+              <a:ext uri="{FF2B5EF4-FFF2-40B4-BE49-F238E27FC236}">
+                <a16:creationId xmlns:a16="http://schemas.microsoft.com/office/drawing/2014/main" id="{416DEBD2-4595-B355-5F25-14253FEE1266}"/>
+              </a:ext>
+            </a:extLst>
+          </p:cNvPr>
+          <p:cNvPicPr>
+            <a:picLocks noChangeAspect="1"/>
+          </p:cNvPicPr>
+          <p:nvPr/>
+        </p:nvPicPr>
+        <p:blipFill>
+          <a:blip r:embed="rId10" cstate="print">
+            <a:extLst>
+              <a:ext uri="{28A0092B-C50C-407E-A947-70E740481C1C}">
+                <a14:useLocalDpi xmlns:a14="http://schemas.microsoft.com/office/drawing/2010/main" val="0"/>
+              </a:ext>
+            </a:extLst>
+          </a:blip>
+          <a:stretch>
+            <a:fillRect/>
+          </a:stretch>
+        </p:blipFill>
+        <p:spPr>
+          <a:xfrm>
+            <a:off x="9965483" y="2187456"/>
+            <a:ext cx="718510" cy="718510"/>
+          </a:xfrm>
+          <a:prstGeom prst="rect">
+            <a:avLst/>
+          </a:prstGeom>
+        </p:spPr>
+      </p:pic>
+      <p:pic>
+        <p:nvPicPr>
+          <p:cNvPr id="39" name="图片 38" descr="卡通人物&#10;&#10;低可信度描述已自动生成">
+            <a:extLst>
+              <a:ext uri="{FF2B5EF4-FFF2-40B4-BE49-F238E27FC236}">
+                <a16:creationId xmlns:a16="http://schemas.microsoft.com/office/drawing/2014/main" id="{E9DA504C-A3E5-D000-40E6-69E9AB98DD6A}"/>
+              </a:ext>
+            </a:extLst>
+          </p:cNvPr>
+          <p:cNvPicPr>
+            <a:picLocks noChangeAspect="1"/>
+          </p:cNvPicPr>
+          <p:nvPr/>
+        </p:nvPicPr>
+        <p:blipFill>
+          <a:blip r:embed="rId11" cstate="print">
+            <a:extLst>
+              <a:ext uri="{28A0092B-C50C-407E-A947-70E740481C1C}">
+                <a14:useLocalDpi xmlns:a14="http://schemas.microsoft.com/office/drawing/2010/main" val="0"/>
+              </a:ext>
+            </a:extLst>
+          </a:blip>
+          <a:stretch>
+            <a:fillRect/>
+          </a:stretch>
+        </p:blipFill>
+        <p:spPr>
+          <a:xfrm rot="18469472">
+            <a:off x="8412246" y="3042068"/>
+            <a:ext cx="300407" cy="304913"/>
+          </a:xfrm>
+          <a:prstGeom prst="rect">
+            <a:avLst/>
+          </a:prstGeom>
+        </p:spPr>
+      </p:pic>
+      <p:pic>
+        <p:nvPicPr>
+          <p:cNvPr id="2" name="图片 1" descr="卡通人物&#10;&#10;低可信度描述已自动生成">
+            <a:extLst>
+              <a:ext uri="{FF2B5EF4-FFF2-40B4-BE49-F238E27FC236}">
+                <a16:creationId xmlns:a16="http://schemas.microsoft.com/office/drawing/2014/main" id="{5C684C6A-F8AF-55D8-6C5D-2C856428FD4A}"/>
+              </a:ext>
+            </a:extLst>
+          </p:cNvPr>
+          <p:cNvPicPr>
+            <a:picLocks noChangeAspect="1"/>
+          </p:cNvPicPr>
+          <p:nvPr/>
+        </p:nvPicPr>
+        <p:blipFill>
+          <a:blip r:embed="rId11" cstate="print">
+            <a:extLst>
+              <a:ext uri="{28A0092B-C50C-407E-A947-70E740481C1C}">
+                <a14:useLocalDpi xmlns:a14="http://schemas.microsoft.com/office/drawing/2010/main" val="0"/>
+              </a:ext>
+            </a:extLst>
+          </a:blip>
+          <a:stretch>
+            <a:fillRect/>
+          </a:stretch>
+        </p:blipFill>
+        <p:spPr>
+          <a:xfrm rot="18469472" flipH="1">
+            <a:off x="10474066" y="1226784"/>
+            <a:ext cx="246173" cy="249866"/>
           </a:xfrm>
           <a:prstGeom prst="rect">
             <a:avLst/>
@@ -5587,7 +6045,7 @@
     </p:spTree>
     <p:extLst>
       <p:ext uri="{BB962C8B-B14F-4D97-AF65-F5344CB8AC3E}">
-        <p14:creationId xmlns:p14="http://schemas.microsoft.com/office/powerpoint/2010/main" val="259867076"/>
+        <p14:creationId xmlns:p14="http://schemas.microsoft.com/office/powerpoint/2010/main" val="3203051907"/>
       </p:ext>
     </p:extLst>
   </p:cSld>
